--- a/docs/diagrams/StorageComponentClassDiagram.pptx
+++ b/docs/diagrams/StorageComponentClassDiagram.pptx
@@ -126,10 +126,6 @@
 </p:presentation>
 </file>
 
-<file path=ppt/revisionInfo.xml><?xml version="1.0" encoding="utf-8"?>
-<p1510:revInfo xmlns:a="http://schemas.openxmlformats.org/drawingml/2006/main" xmlns:r="http://schemas.openxmlformats.org/officeDocument/2006/relationships" xmlns:p1510="http://schemas.microsoft.com/office/powerpoint/2015/10/main"/>
-</file>
-
 <file path=ppt/notesMasters/notesMaster1.xml><?xml version="1.0" encoding="utf-8"?>
 <p:notesMaster xmlns:a="http://schemas.openxmlformats.org/drawingml/2006/main" xmlns:r="http://schemas.openxmlformats.org/officeDocument/2006/relationships" xmlns:p="http://schemas.openxmlformats.org/presentationml/2006/main">
   <p:cSld>
@@ -212,7 +208,7 @@
           <a:p>
             <a:fld id="{F5CC4B3F-88C1-4FFA-B1B6-F41C21DC6924}" type="datetimeFigureOut">
               <a:rPr lang="en-US" smtClean="0"/>
-              <a:t>4/5/2018</a:t>
+              <a:t>12-Apr-18</a:t>
             </a:fld>
             <a:endParaRPr lang="en-US"/>
           </a:p>
@@ -658,7 +654,7 @@
           <a:p>
             <a:fld id="{78C97017-6FC3-485B-9764-EAC9E56C1D49}" type="datetimeFigureOut">
               <a:rPr lang="en-US" smtClean="0"/>
-              <a:t>4/5/2018</a:t>
+              <a:t>12-Apr-18</a:t>
             </a:fld>
             <a:endParaRPr lang="en-US"/>
           </a:p>
@@ -826,7 +822,7 @@
           <a:p>
             <a:fld id="{78C97017-6FC3-485B-9764-EAC9E56C1D49}" type="datetimeFigureOut">
               <a:rPr lang="en-US" smtClean="0"/>
-              <a:t>4/5/2018</a:t>
+              <a:t>12-Apr-18</a:t>
             </a:fld>
             <a:endParaRPr lang="en-US"/>
           </a:p>
@@ -1004,7 +1000,7 @@
           <a:p>
             <a:fld id="{78C97017-6FC3-485B-9764-EAC9E56C1D49}" type="datetimeFigureOut">
               <a:rPr lang="en-US" smtClean="0"/>
-              <a:t>4/5/2018</a:t>
+              <a:t>12-Apr-18</a:t>
             </a:fld>
             <a:endParaRPr lang="en-US"/>
           </a:p>
@@ -1172,7 +1168,7 @@
           <a:p>
             <a:fld id="{78C97017-6FC3-485B-9764-EAC9E56C1D49}" type="datetimeFigureOut">
               <a:rPr lang="en-US" smtClean="0"/>
-              <a:t>4/5/2018</a:t>
+              <a:t>12-Apr-18</a:t>
             </a:fld>
             <a:endParaRPr lang="en-US"/>
           </a:p>
@@ -1417,7 +1413,7 @@
           <a:p>
             <a:fld id="{78C97017-6FC3-485B-9764-EAC9E56C1D49}" type="datetimeFigureOut">
               <a:rPr lang="en-US" smtClean="0"/>
-              <a:t>4/5/2018</a:t>
+              <a:t>12-Apr-18</a:t>
             </a:fld>
             <a:endParaRPr lang="en-US"/>
           </a:p>
@@ -1702,7 +1698,7 @@
           <a:p>
             <a:fld id="{78C97017-6FC3-485B-9764-EAC9E56C1D49}" type="datetimeFigureOut">
               <a:rPr lang="en-US" smtClean="0"/>
-              <a:t>4/5/2018</a:t>
+              <a:t>12-Apr-18</a:t>
             </a:fld>
             <a:endParaRPr lang="en-US"/>
           </a:p>
@@ -2121,7 +2117,7 @@
           <a:p>
             <a:fld id="{78C97017-6FC3-485B-9764-EAC9E56C1D49}" type="datetimeFigureOut">
               <a:rPr lang="en-US" smtClean="0"/>
-              <a:t>4/5/2018</a:t>
+              <a:t>12-Apr-18</a:t>
             </a:fld>
             <a:endParaRPr lang="en-US"/>
           </a:p>
@@ -2238,7 +2234,7 @@
           <a:p>
             <a:fld id="{78C97017-6FC3-485B-9764-EAC9E56C1D49}" type="datetimeFigureOut">
               <a:rPr lang="en-US" smtClean="0"/>
-              <a:t>4/5/2018</a:t>
+              <a:t>12-Apr-18</a:t>
             </a:fld>
             <a:endParaRPr lang="en-US"/>
           </a:p>
@@ -2333,7 +2329,7 @@
           <a:p>
             <a:fld id="{78C97017-6FC3-485B-9764-EAC9E56C1D49}" type="datetimeFigureOut">
               <a:rPr lang="en-US" smtClean="0"/>
-              <a:t>4/5/2018</a:t>
+              <a:t>12-Apr-18</a:t>
             </a:fld>
             <a:endParaRPr lang="en-US"/>
           </a:p>
@@ -2608,7 +2604,7 @@
           <a:p>
             <a:fld id="{78C97017-6FC3-485B-9764-EAC9E56C1D49}" type="datetimeFigureOut">
               <a:rPr lang="en-US" smtClean="0"/>
-              <a:t>4/5/2018</a:t>
+              <a:t>12-Apr-18</a:t>
             </a:fld>
             <a:endParaRPr lang="en-US"/>
           </a:p>
@@ -2860,7 +2856,7 @@
           <a:p>
             <a:fld id="{78C97017-6FC3-485B-9764-EAC9E56C1D49}" type="datetimeFigureOut">
               <a:rPr lang="en-US" smtClean="0"/>
-              <a:t>4/5/2018</a:t>
+              <a:t>12-Apr-18</a:t>
             </a:fld>
             <a:endParaRPr lang="en-US"/>
           </a:p>
@@ -3071,7 +3067,7 @@
           <a:p>
             <a:fld id="{78C97017-6FC3-485B-9764-EAC9E56C1D49}" type="datetimeFigureOut">
               <a:rPr lang="en-US" smtClean="0"/>
-              <a:t>4/5/2018</a:t>
+              <a:t>12-Apr-18</a:t>
             </a:fld>
             <a:endParaRPr lang="en-US"/>
           </a:p>
@@ -4613,6 +4609,7 @@
         <p:nvCxnSpPr>
           <p:cNvPr id="70" name="Elbow Connector 122"/>
           <p:cNvCxnSpPr>
+            <a:cxnSpLocks/>
             <a:stCxn id="74" idx="0"/>
             <a:endCxn id="73" idx="2"/>
           </p:cNvCxnSpPr>
@@ -4620,8 +4617,8 @@
         </p:nvCxnSpPr>
         <p:spPr>
           <a:xfrm rot="5400000" flipH="1" flipV="1">
-            <a:off x="8077993" y="2992020"/>
-            <a:ext cx="335208" cy="12700"/>
+            <a:off x="7987566" y="2745795"/>
+            <a:ext cx="671860" cy="155799"/>
           </a:xfrm>
           <a:prstGeom prst="bentConnector3">
             <a:avLst>
@@ -4658,8 +4655,8 @@
         </p:nvSpPr>
         <p:spPr>
           <a:xfrm>
-            <a:off x="7615738" y="2477656"/>
-            <a:ext cx="1259718" cy="346760"/>
+            <a:off x="7852049" y="2141004"/>
+            <a:ext cx="1098693" cy="346760"/>
           </a:xfrm>
           <a:prstGeom prst="rect">
             <a:avLst/>
@@ -4797,6 +4794,320 @@
           </a:fillRef>
           <a:effectRef idx="1">
             <a:schemeClr val="accent6"/>
+          </a:effectRef>
+          <a:fontRef idx="minor">
+            <a:schemeClr val="dk1"/>
+          </a:fontRef>
+        </p:style>
+      </p:cxnSp>
+      <p:sp>
+        <p:nvSpPr>
+          <p:cNvPr id="30" name="Rectangle 8">
+            <a:extLst>
+              <a:ext uri="{FF2B5EF4-FFF2-40B4-BE49-F238E27FC236}">
+                <a16:creationId xmlns:a16="http://schemas.microsoft.com/office/drawing/2014/main" id="{E18DB49F-31CB-44B8-A514-5CCD13525D52}"/>
+              </a:ext>
+            </a:extLst>
+          </p:cNvPr>
+          <p:cNvSpPr/>
+          <p:nvPr/>
+        </p:nvSpPr>
+        <p:spPr>
+          <a:xfrm>
+            <a:off x="6170353" y="2649266"/>
+            <a:ext cx="1543946" cy="346760"/>
+          </a:xfrm>
+          <a:prstGeom prst="rect">
+            <a:avLst/>
+          </a:prstGeom>
+          <a:ln w="19050"/>
+          <a:effectLst/>
+        </p:spPr>
+        <p:style>
+          <a:lnRef idx="1">
+            <a:schemeClr val="accent6"/>
+          </a:lnRef>
+          <a:fillRef idx="2">
+            <a:schemeClr val="accent6"/>
+          </a:fillRef>
+          <a:effectRef idx="1">
+            <a:schemeClr val="accent6"/>
+          </a:effectRef>
+          <a:fontRef idx="minor">
+            <a:schemeClr val="dk1"/>
+          </a:fontRef>
+        </p:style>
+        <p:txBody>
+          <a:bodyPr rtlCol="0" anchor="ctr"/>
+          <a:lstStyle/>
+          <a:p>
+            <a:pPr algn="ctr"/>
+            <a:r>
+              <a:rPr lang="en-US" sz="1050" b="1" dirty="0" err="1">
+                <a:solidFill>
+                  <a:schemeClr val="accent6">
+                    <a:lumMod val="75000"/>
+                  </a:schemeClr>
+                </a:solidFill>
+              </a:rPr>
+              <a:t>XmlAdaptedInvestigator</a:t>
+            </a:r>
+            <a:endParaRPr lang="en-SG" sz="1050" b="1" dirty="0">
+              <a:solidFill>
+                <a:schemeClr val="accent6">
+                  <a:lumMod val="75000"/>
+                </a:schemeClr>
+              </a:solidFill>
+            </a:endParaRPr>
+          </a:p>
+        </p:txBody>
+      </p:sp>
+      <p:sp>
+        <p:nvSpPr>
+          <p:cNvPr id="31" name="Rectangle 8">
+            <a:extLst>
+              <a:ext uri="{FF2B5EF4-FFF2-40B4-BE49-F238E27FC236}">
+                <a16:creationId xmlns:a16="http://schemas.microsoft.com/office/drawing/2014/main" id="{0EEE3D29-7037-4EA5-8DE6-8AB5B17E16CD}"/>
+              </a:ext>
+            </a:extLst>
+          </p:cNvPr>
+          <p:cNvSpPr/>
+          <p:nvPr/>
+        </p:nvSpPr>
+        <p:spPr>
+          <a:xfrm>
+            <a:off x="6203531" y="2211280"/>
+            <a:ext cx="1510767" cy="346760"/>
+          </a:xfrm>
+          <a:prstGeom prst="rect">
+            <a:avLst/>
+          </a:prstGeom>
+          <a:ln w="19050"/>
+          <a:effectLst/>
+        </p:spPr>
+        <p:style>
+          <a:lnRef idx="1">
+            <a:schemeClr val="accent6"/>
+          </a:lnRef>
+          <a:fillRef idx="2">
+            <a:schemeClr val="accent6"/>
+          </a:fillRef>
+          <a:effectRef idx="1">
+            <a:schemeClr val="accent6"/>
+          </a:effectRef>
+          <a:fontRef idx="minor">
+            <a:schemeClr val="dk1"/>
+          </a:fontRef>
+        </p:style>
+        <p:txBody>
+          <a:bodyPr rtlCol="0" anchor="ctr"/>
+          <a:lstStyle/>
+          <a:p>
+            <a:pPr algn="ctr"/>
+            <a:r>
+              <a:rPr lang="en-US" sz="1050" b="1" dirty="0" err="1">
+                <a:solidFill>
+                  <a:schemeClr val="accent6">
+                    <a:lumMod val="75000"/>
+                  </a:schemeClr>
+                </a:solidFill>
+              </a:rPr>
+              <a:t>XmlAdaptedCrimeCase</a:t>
+            </a:r>
+            <a:endParaRPr lang="en-SG" sz="1050" b="1" dirty="0">
+              <a:solidFill>
+                <a:schemeClr val="accent6">
+                  <a:lumMod val="75000"/>
+                </a:schemeClr>
+              </a:solidFill>
+            </a:endParaRPr>
+          </a:p>
+        </p:txBody>
+      </p:sp>
+      <p:cxnSp>
+        <p:nvCxnSpPr>
+          <p:cNvPr id="32" name="Elbow Connector 122">
+            <a:extLst>
+              <a:ext uri="{FF2B5EF4-FFF2-40B4-BE49-F238E27FC236}">
+                <a16:creationId xmlns:a16="http://schemas.microsoft.com/office/drawing/2014/main" id="{18A25CC1-BF4C-4673-B603-A44C5B359A5C}"/>
+              </a:ext>
+            </a:extLst>
+          </p:cNvPr>
+          <p:cNvCxnSpPr>
+            <a:cxnSpLocks/>
+            <a:endCxn id="31" idx="1"/>
+          </p:cNvCxnSpPr>
+          <p:nvPr/>
+        </p:nvCxnSpPr>
+        <p:spPr>
+          <a:xfrm rot="5400000" flipH="1" flipV="1">
+            <a:off x="5718138" y="2689916"/>
+            <a:ext cx="790648" cy="180137"/>
+          </a:xfrm>
+          <a:prstGeom prst="bentConnector2">
+            <a:avLst/>
+          </a:prstGeom>
+          <a:ln w="19050">
+            <a:prstDash val="sysDot"/>
+            <a:headEnd type="none" w="med" len="med"/>
+            <a:tailEnd type="arrow" w="med" len="med"/>
+          </a:ln>
+          <a:effectLst/>
+        </p:spPr>
+        <p:style>
+          <a:lnRef idx="1">
+            <a:schemeClr val="accent6"/>
+          </a:lnRef>
+          <a:fillRef idx="2">
+            <a:schemeClr val="accent6"/>
+          </a:fillRef>
+          <a:effectRef idx="1">
+            <a:schemeClr val="accent6"/>
+          </a:effectRef>
+          <a:fontRef idx="minor">
+            <a:schemeClr val="dk1"/>
+          </a:fontRef>
+        </p:style>
+      </p:cxnSp>
+      <p:cxnSp>
+        <p:nvCxnSpPr>
+          <p:cNvPr id="37" name="Elbow Connector 122">
+            <a:extLst>
+              <a:ext uri="{FF2B5EF4-FFF2-40B4-BE49-F238E27FC236}">
+                <a16:creationId xmlns:a16="http://schemas.microsoft.com/office/drawing/2014/main" id="{14CB6BBC-8D4C-46A9-9901-B4511B8C6BCA}"/>
+              </a:ext>
+            </a:extLst>
+          </p:cNvPr>
+          <p:cNvCxnSpPr>
+            <a:cxnSpLocks/>
+            <a:endCxn id="30" idx="1"/>
+          </p:cNvCxnSpPr>
+          <p:nvPr/>
+        </p:nvCxnSpPr>
+        <p:spPr>
+          <a:xfrm>
+            <a:off x="6038467" y="2822646"/>
+            <a:ext cx="131886" cy="12700"/>
+          </a:xfrm>
+          <a:prstGeom prst="bentConnector3">
+            <a:avLst>
+              <a:gd name="adj1" fmla="val -11629"/>
+            </a:avLst>
+          </a:prstGeom>
+          <a:ln w="19050">
+            <a:prstDash val="sysDot"/>
+            <a:headEnd type="none" w="med" len="med"/>
+            <a:tailEnd type="arrow" w="med" len="med"/>
+          </a:ln>
+          <a:effectLst/>
+        </p:spPr>
+        <p:style>
+          <a:lnRef idx="1">
+            <a:schemeClr val="accent6"/>
+          </a:lnRef>
+          <a:fillRef idx="2">
+            <a:schemeClr val="accent6"/>
+          </a:fillRef>
+          <a:effectRef idx="1">
+            <a:schemeClr val="accent6"/>
+          </a:effectRef>
+          <a:fontRef idx="minor">
+            <a:schemeClr val="dk1"/>
+          </a:fontRef>
+        </p:style>
+      </p:cxnSp>
+      <p:cxnSp>
+        <p:nvCxnSpPr>
+          <p:cNvPr id="63" name="Elbow Connector 63">
+            <a:extLst>
+              <a:ext uri="{FF2B5EF4-FFF2-40B4-BE49-F238E27FC236}">
+                <a16:creationId xmlns:a16="http://schemas.microsoft.com/office/drawing/2014/main" id="{AC2BACCB-9BF8-40D1-9755-BEEA827EB6D4}"/>
+              </a:ext>
+            </a:extLst>
+          </p:cNvPr>
+          <p:cNvCxnSpPr>
+            <a:cxnSpLocks/>
+          </p:cNvCxnSpPr>
+          <p:nvPr/>
+        </p:nvCxnSpPr>
+        <p:spPr>
+          <a:xfrm flipV="1">
+            <a:off x="7714298" y="2822647"/>
+            <a:ext cx="531298" cy="1"/>
+          </a:xfrm>
+          <a:prstGeom prst="bentConnector3">
+            <a:avLst>
+              <a:gd name="adj1" fmla="val 50000"/>
+            </a:avLst>
+          </a:prstGeom>
+          <a:ln w="19050">
+            <a:solidFill>
+              <a:schemeClr val="accent6"/>
+            </a:solidFill>
+            <a:prstDash val="sysDot"/>
+            <a:headEnd type="none" w="med" len="med"/>
+            <a:tailEnd type="none" w="med" len="med"/>
+          </a:ln>
+          <a:effectLst/>
+        </p:spPr>
+        <p:style>
+          <a:lnRef idx="1">
+            <a:schemeClr val="accent2"/>
+          </a:lnRef>
+          <a:fillRef idx="2">
+            <a:schemeClr val="accent2"/>
+          </a:fillRef>
+          <a:effectRef idx="1">
+            <a:schemeClr val="accent2"/>
+          </a:effectRef>
+          <a:fontRef idx="minor">
+            <a:schemeClr val="dk1"/>
+          </a:fontRef>
+        </p:style>
+      </p:cxnSp>
+      <p:cxnSp>
+        <p:nvCxnSpPr>
+          <p:cNvPr id="67" name="Elbow Connector 63">
+            <a:extLst>
+              <a:ext uri="{FF2B5EF4-FFF2-40B4-BE49-F238E27FC236}">
+                <a16:creationId xmlns:a16="http://schemas.microsoft.com/office/drawing/2014/main" id="{79BCAABD-A63F-433C-8364-82455AC81562}"/>
+              </a:ext>
+            </a:extLst>
+          </p:cNvPr>
+          <p:cNvCxnSpPr>
+            <a:cxnSpLocks/>
+          </p:cNvCxnSpPr>
+          <p:nvPr/>
+        </p:nvCxnSpPr>
+        <p:spPr>
+          <a:xfrm rot="16200000" flipH="1">
+            <a:off x="7528185" y="2570806"/>
+            <a:ext cx="466496" cy="99516"/>
+          </a:xfrm>
+          <a:prstGeom prst="bentConnector3">
+            <a:avLst>
+              <a:gd name="adj1" fmla="val 2085"/>
+            </a:avLst>
+          </a:prstGeom>
+          <a:ln w="19050">
+            <a:solidFill>
+              <a:schemeClr val="accent6"/>
+            </a:solidFill>
+            <a:prstDash val="sysDot"/>
+            <a:headEnd type="none" w="med" len="med"/>
+            <a:tailEnd type="none" w="med" len="med"/>
+          </a:ln>
+          <a:effectLst/>
+        </p:spPr>
+        <p:style>
+          <a:lnRef idx="1">
+            <a:schemeClr val="accent2"/>
+          </a:lnRef>
+          <a:fillRef idx="2">
+            <a:schemeClr val="accent2"/>
+          </a:fillRef>
+          <a:effectRef idx="1">
+            <a:schemeClr val="accent2"/>
           </a:effectRef>
           <a:fontRef idx="minor">
             <a:schemeClr val="dk1"/>

--- a/docs/diagrams/StorageComponentClassDiagram.pptx
+++ b/docs/diagrams/StorageComponentClassDiagram.pptx
@@ -126,6 +126,10 @@
 </p:presentation>
 </file>
 
+<file path=ppt/revisionInfo.xml><?xml version="1.0" encoding="utf-8"?>
+<p1510:revInfo xmlns:a="http://schemas.openxmlformats.org/drawingml/2006/main" xmlns:r="http://schemas.openxmlformats.org/officeDocument/2006/relationships" xmlns:p1510="http://schemas.microsoft.com/office/powerpoint/2015/10/main"/>
+</file>
+
 <file path=ppt/notesMasters/notesMaster1.xml><?xml version="1.0" encoding="utf-8"?>
 <p:notesMaster xmlns:a="http://schemas.openxmlformats.org/drawingml/2006/main" xmlns:r="http://schemas.openxmlformats.org/officeDocument/2006/relationships" xmlns:p="http://schemas.openxmlformats.org/presentationml/2006/main">
   <p:cSld>
@@ -208,7 +212,7 @@
           <a:p>
             <a:fld id="{F5CC4B3F-88C1-4FFA-B1B6-F41C21DC6924}" type="datetimeFigureOut">
               <a:rPr lang="en-US" smtClean="0"/>
-              <a:t>12-Apr-18</a:t>
+              <a:t>4/15/2018</a:t>
             </a:fld>
             <a:endParaRPr lang="en-US"/>
           </a:p>
@@ -654,7 +658,7 @@
           <a:p>
             <a:fld id="{78C97017-6FC3-485B-9764-EAC9E56C1D49}" type="datetimeFigureOut">
               <a:rPr lang="en-US" smtClean="0"/>
-              <a:t>12-Apr-18</a:t>
+              <a:t>4/15/2018</a:t>
             </a:fld>
             <a:endParaRPr lang="en-US"/>
           </a:p>
@@ -822,7 +826,7 @@
           <a:p>
             <a:fld id="{78C97017-6FC3-485B-9764-EAC9E56C1D49}" type="datetimeFigureOut">
               <a:rPr lang="en-US" smtClean="0"/>
-              <a:t>12-Apr-18</a:t>
+              <a:t>4/15/2018</a:t>
             </a:fld>
             <a:endParaRPr lang="en-US"/>
           </a:p>
@@ -1000,7 +1004,7 @@
           <a:p>
             <a:fld id="{78C97017-6FC3-485B-9764-EAC9E56C1D49}" type="datetimeFigureOut">
               <a:rPr lang="en-US" smtClean="0"/>
-              <a:t>12-Apr-18</a:t>
+              <a:t>4/15/2018</a:t>
             </a:fld>
             <a:endParaRPr lang="en-US"/>
           </a:p>
@@ -1168,7 +1172,7 @@
           <a:p>
             <a:fld id="{78C97017-6FC3-485B-9764-EAC9E56C1D49}" type="datetimeFigureOut">
               <a:rPr lang="en-US" smtClean="0"/>
-              <a:t>12-Apr-18</a:t>
+              <a:t>4/15/2018</a:t>
             </a:fld>
             <a:endParaRPr lang="en-US"/>
           </a:p>
@@ -1413,7 +1417,7 @@
           <a:p>
             <a:fld id="{78C97017-6FC3-485B-9764-EAC9E56C1D49}" type="datetimeFigureOut">
               <a:rPr lang="en-US" smtClean="0"/>
-              <a:t>12-Apr-18</a:t>
+              <a:t>4/15/2018</a:t>
             </a:fld>
             <a:endParaRPr lang="en-US"/>
           </a:p>
@@ -1698,7 +1702,7 @@
           <a:p>
             <a:fld id="{78C97017-6FC3-485B-9764-EAC9E56C1D49}" type="datetimeFigureOut">
               <a:rPr lang="en-US" smtClean="0"/>
-              <a:t>12-Apr-18</a:t>
+              <a:t>4/15/2018</a:t>
             </a:fld>
             <a:endParaRPr lang="en-US"/>
           </a:p>
@@ -2117,7 +2121,7 @@
           <a:p>
             <a:fld id="{78C97017-6FC3-485B-9764-EAC9E56C1D49}" type="datetimeFigureOut">
               <a:rPr lang="en-US" smtClean="0"/>
-              <a:t>12-Apr-18</a:t>
+              <a:t>4/15/2018</a:t>
             </a:fld>
             <a:endParaRPr lang="en-US"/>
           </a:p>
@@ -2234,7 +2238,7 @@
           <a:p>
             <a:fld id="{78C97017-6FC3-485B-9764-EAC9E56C1D49}" type="datetimeFigureOut">
               <a:rPr lang="en-US" smtClean="0"/>
-              <a:t>12-Apr-18</a:t>
+              <a:t>4/15/2018</a:t>
             </a:fld>
             <a:endParaRPr lang="en-US"/>
           </a:p>
@@ -2329,7 +2333,7 @@
           <a:p>
             <a:fld id="{78C97017-6FC3-485B-9764-EAC9E56C1D49}" type="datetimeFigureOut">
               <a:rPr lang="en-US" smtClean="0"/>
-              <a:t>12-Apr-18</a:t>
+              <a:t>4/15/2018</a:t>
             </a:fld>
             <a:endParaRPr lang="en-US"/>
           </a:p>
@@ -2604,7 +2608,7 @@
           <a:p>
             <a:fld id="{78C97017-6FC3-485B-9764-EAC9E56C1D49}" type="datetimeFigureOut">
               <a:rPr lang="en-US" smtClean="0"/>
-              <a:t>12-Apr-18</a:t>
+              <a:t>4/15/2018</a:t>
             </a:fld>
             <a:endParaRPr lang="en-US"/>
           </a:p>
@@ -2856,7 +2860,7 @@
           <a:p>
             <a:fld id="{78C97017-6FC3-485B-9764-EAC9E56C1D49}" type="datetimeFigureOut">
               <a:rPr lang="en-US" smtClean="0"/>
-              <a:t>12-Apr-18</a:t>
+              <a:t>4/15/2018</a:t>
             </a:fld>
             <a:endParaRPr lang="en-US"/>
           </a:p>
@@ -3067,7 +3071,7 @@
           <a:p>
             <a:fld id="{78C97017-6FC3-485B-9764-EAC9E56C1D49}" type="datetimeFigureOut">
               <a:rPr lang="en-US" smtClean="0"/>
-              <a:t>12-Apr-18</a:t>
+              <a:t>4/15/2018</a:t>
             </a:fld>
             <a:endParaRPr lang="en-US"/>
           </a:p>
@@ -3450,8 +3454,8 @@
         </p:nvSpPr>
         <p:spPr>
           <a:xfrm>
-            <a:off x="1119865" y="2086382"/>
-            <a:ext cx="7871735" cy="1723618"/>
+            <a:off x="1119865" y="1676400"/>
+            <a:ext cx="7871735" cy="2133600"/>
           </a:xfrm>
           <a:prstGeom prst="roundRect">
             <a:avLst>
@@ -4935,14 +4939,14 @@
           </p:cNvPr>
           <p:cNvCxnSpPr>
             <a:cxnSpLocks/>
-            <a:endCxn id="31" idx="1"/>
+            <a:endCxn id="33" idx="1"/>
           </p:cNvCxnSpPr>
           <p:nvPr/>
         </p:nvCxnSpPr>
         <p:spPr>
           <a:xfrm rot="5400000" flipH="1" flipV="1">
-            <a:off x="5718138" y="2689916"/>
-            <a:ext cx="790648" cy="180137"/>
+            <a:off x="5411054" y="2556642"/>
+            <a:ext cx="1381494" cy="203458"/>
           </a:xfrm>
           <a:prstGeom prst="bentConnector2">
             <a:avLst/>
@@ -5108,6 +5112,114 @@
           </a:fillRef>
           <a:effectRef idx="1">
             <a:schemeClr val="accent2"/>
+          </a:effectRef>
+          <a:fontRef idx="minor">
+            <a:schemeClr val="dk1"/>
+          </a:fontRef>
+        </p:style>
+      </p:cxnSp>
+      <p:sp>
+        <p:nvSpPr>
+          <p:cNvPr id="33" name="Rectangle 8">
+            <a:extLst>
+              <a:ext uri="{FF2B5EF4-FFF2-40B4-BE49-F238E27FC236}">
+                <a16:creationId xmlns:a16="http://schemas.microsoft.com/office/drawing/2014/main" id="{84AA2AFD-EF00-416D-A6B2-23E96A8E0DDA}"/>
+              </a:ext>
+            </a:extLst>
+          </p:cNvPr>
+          <p:cNvSpPr/>
+          <p:nvPr/>
+        </p:nvSpPr>
+        <p:spPr>
+          <a:xfrm>
+            <a:off x="6203530" y="1794244"/>
+            <a:ext cx="1510767" cy="346760"/>
+          </a:xfrm>
+          <a:prstGeom prst="rect">
+            <a:avLst/>
+          </a:prstGeom>
+          <a:ln w="19050"/>
+          <a:effectLst/>
+        </p:spPr>
+        <p:style>
+          <a:lnRef idx="1">
+            <a:schemeClr val="accent6"/>
+          </a:lnRef>
+          <a:fillRef idx="2">
+            <a:schemeClr val="accent6"/>
+          </a:fillRef>
+          <a:effectRef idx="1">
+            <a:schemeClr val="accent6"/>
+          </a:effectRef>
+          <a:fontRef idx="minor">
+            <a:schemeClr val="dk1"/>
+          </a:fontRef>
+        </p:style>
+        <p:txBody>
+          <a:bodyPr rtlCol="0" anchor="ctr"/>
+          <a:lstStyle/>
+          <a:p>
+            <a:pPr algn="ctr"/>
+            <a:r>
+              <a:rPr lang="en-US" sz="1050" b="1" dirty="0" err="1">
+                <a:solidFill>
+                  <a:schemeClr val="accent6">
+                    <a:lumMod val="75000"/>
+                  </a:schemeClr>
+                </a:solidFill>
+              </a:rPr>
+              <a:t>XmlAdaptedPassword</a:t>
+            </a:r>
+            <a:endParaRPr lang="en-SG" sz="1050" b="1" dirty="0">
+              <a:solidFill>
+                <a:schemeClr val="accent6">
+                  <a:lumMod val="75000"/>
+                </a:schemeClr>
+              </a:solidFill>
+            </a:endParaRPr>
+          </a:p>
+        </p:txBody>
+      </p:sp>
+      <p:cxnSp>
+        <p:nvCxnSpPr>
+          <p:cNvPr id="43" name="Elbow Connector 122">
+            <a:extLst>
+              <a:ext uri="{FF2B5EF4-FFF2-40B4-BE49-F238E27FC236}">
+                <a16:creationId xmlns:a16="http://schemas.microsoft.com/office/drawing/2014/main" id="{AAEDCE85-67B6-4A84-BAE0-065549C505A1}"/>
+              </a:ext>
+            </a:extLst>
+          </p:cNvPr>
+          <p:cNvCxnSpPr>
+            <a:cxnSpLocks/>
+          </p:cNvCxnSpPr>
+          <p:nvPr/>
+        </p:nvCxnSpPr>
+        <p:spPr>
+          <a:xfrm>
+            <a:off x="6082863" y="2387727"/>
+            <a:ext cx="131886" cy="12700"/>
+          </a:xfrm>
+          <a:prstGeom prst="bentConnector3">
+            <a:avLst>
+              <a:gd name="adj1" fmla="val -34740"/>
+            </a:avLst>
+          </a:prstGeom>
+          <a:ln w="19050">
+            <a:prstDash val="sysDot"/>
+            <a:headEnd type="none" w="med" len="med"/>
+            <a:tailEnd type="arrow" w="med" len="med"/>
+          </a:ln>
+          <a:effectLst/>
+        </p:spPr>
+        <p:style>
+          <a:lnRef idx="1">
+            <a:schemeClr val="accent6"/>
+          </a:lnRef>
+          <a:fillRef idx="2">
+            <a:schemeClr val="accent6"/>
+          </a:fillRef>
+          <a:effectRef idx="1">
+            <a:schemeClr val="accent6"/>
           </a:effectRef>
           <a:fontRef idx="minor">
             <a:schemeClr val="dk1"/>
